--- a/session_one/session_one_presentation.pptx
+++ b/session_one/session_one_presentation.pptx
@@ -176,228 +176,8 @@
 </p:presentation>
 </file>
 
-<file path=ppt/revisionInfo.xml><?xml version="1.0" encoding="utf-8"?>
-<p1510:revInfo xmlns:a="http://schemas.openxmlformats.org/drawingml/2006/main" xmlns:r="http://schemas.openxmlformats.org/officeDocument/2006/relationships" xmlns:p1510="http://schemas.microsoft.com/office/powerpoint/2015/10/main">
-  <p1510:revLst>
-    <p1510:client id="{AC9B9867-8498-4E54-B647-077AC26C07DA}" v="47" dt="2024-02-27T15:26:37.319"/>
-  </p1510:revLst>
-</p1510:revInfo>
-</file>
-
 <file path=ppt/changesInfos/changesInfo1.xml><?xml version="1.0" encoding="utf-8"?>
 <pc:chgInfo xmlns:a="http://schemas.openxmlformats.org/drawingml/2006/main" xmlns:r="http://schemas.openxmlformats.org/officeDocument/2006/relationships" xmlns:ac="http://schemas.microsoft.com/office/drawing/2013/main/command" xmlns:pc="http://schemas.microsoft.com/office/powerpoint/2013/main/command">
-  <pc:docChgLst>
-    <pc:chgData name="McKinney, David" userId="S::kqkh779@astrazeneca.net::8b945cb3-78ce-42d7-adc5-b07bab32cd5b" providerId="AD" clId="Web-{3B4E5BFF-73BD-4AFB-A9EA-2B6DBA5B815E}"/>
-    <pc:docChg chg="modSld">
-      <pc:chgData name="McKinney, David" userId="S::kqkh779@astrazeneca.net::8b945cb3-78ce-42d7-adc5-b07bab32cd5b" providerId="AD" clId="Web-{3B4E5BFF-73BD-4AFB-A9EA-2B6DBA5B815E}" dt="2020-01-20T18:02:31.722" v="25" actId="20577"/>
-      <pc:docMkLst>
-        <pc:docMk/>
-      </pc:docMkLst>
-      <pc:sldChg chg="modSp">
-        <pc:chgData name="McKinney, David" userId="S::kqkh779@astrazeneca.net::8b945cb3-78ce-42d7-adc5-b07bab32cd5b" providerId="AD" clId="Web-{3B4E5BFF-73BD-4AFB-A9EA-2B6DBA5B815E}" dt="2020-01-20T18:02:31.722" v="25" actId="20577"/>
-        <pc:sldMkLst>
-          <pc:docMk/>
-          <pc:sldMk cId="1234280474" sldId="367"/>
-        </pc:sldMkLst>
-        <pc:spChg chg="mod">
-          <ac:chgData name="McKinney, David" userId="S::kqkh779@astrazeneca.net::8b945cb3-78ce-42d7-adc5-b07bab32cd5b" providerId="AD" clId="Web-{3B4E5BFF-73BD-4AFB-A9EA-2B6DBA5B815E}" dt="2020-01-20T18:02:31.722" v="25" actId="20577"/>
-          <ac:spMkLst>
-            <pc:docMk/>
-            <pc:sldMk cId="1234280474" sldId="367"/>
-            <ac:spMk id="3" creationId="{D9F59F0A-AA59-4F15-95CC-124F6F55180D}"/>
-          </ac:spMkLst>
-        </pc:spChg>
-      </pc:sldChg>
-    </pc:docChg>
-  </pc:docChgLst>
-  <pc:docChgLst>
-    <pc:chgData name="McKinney, David" userId="8b945cb3-78ce-42d7-adc5-b07bab32cd5b" providerId="ADAL" clId="{A9E943F6-9C49-4DB1-9D60-3209231B7510}"/>
-    <pc:docChg chg="undo custSel addSld modSld">
-      <pc:chgData name="McKinney, David" userId="8b945cb3-78ce-42d7-adc5-b07bab32cd5b" providerId="ADAL" clId="{A9E943F6-9C49-4DB1-9D60-3209231B7510}" dt="2020-01-30T10:18:30.158" v="715" actId="20577"/>
-      <pc:docMkLst>
-        <pc:docMk/>
-      </pc:docMkLst>
-      <pc:sldChg chg="modSp">
-        <pc:chgData name="McKinney, David" userId="8b945cb3-78ce-42d7-adc5-b07bab32cd5b" providerId="ADAL" clId="{A9E943F6-9C49-4DB1-9D60-3209231B7510}" dt="2020-01-30T10:18:30.158" v="715" actId="20577"/>
-        <pc:sldMkLst>
-          <pc:docMk/>
-          <pc:sldMk cId="211931337" sldId="359"/>
-        </pc:sldMkLst>
-        <pc:spChg chg="mod">
-          <ac:chgData name="McKinney, David" userId="8b945cb3-78ce-42d7-adc5-b07bab32cd5b" providerId="ADAL" clId="{A9E943F6-9C49-4DB1-9D60-3209231B7510}" dt="2020-01-30T10:18:27.126" v="704" actId="1076"/>
-          <ac:spMkLst>
-            <pc:docMk/>
-            <pc:sldMk cId="211931337" sldId="359"/>
-            <ac:spMk id="3" creationId="{2B59B3AC-2B48-401E-B04D-99DE82F71E23}"/>
-          </ac:spMkLst>
-        </pc:spChg>
-        <pc:spChg chg="mod">
-          <ac:chgData name="McKinney, David" userId="8b945cb3-78ce-42d7-adc5-b07bab32cd5b" providerId="ADAL" clId="{A9E943F6-9C49-4DB1-9D60-3209231B7510}" dt="2020-01-30T10:18:30.158" v="715" actId="20577"/>
-          <ac:spMkLst>
-            <pc:docMk/>
-            <pc:sldMk cId="211931337" sldId="359"/>
-            <ac:spMk id="4" creationId="{689430A7-8B35-43BC-A842-A37497B72B57}"/>
-          </ac:spMkLst>
-        </pc:spChg>
-        <pc:spChg chg="mod">
-          <ac:chgData name="McKinney, David" userId="8b945cb3-78ce-42d7-adc5-b07bab32cd5b" providerId="ADAL" clId="{A9E943F6-9C49-4DB1-9D60-3209231B7510}" dt="2020-01-30T10:18:23.494" v="702" actId="20577"/>
-          <ac:spMkLst>
-            <pc:docMk/>
-            <pc:sldMk cId="211931337" sldId="359"/>
-            <ac:spMk id="6" creationId="{5F4BFDAC-2C84-416D-85F7-F05C253C551B}"/>
-          </ac:spMkLst>
-        </pc:spChg>
-      </pc:sldChg>
-      <pc:sldChg chg="modSp">
-        <pc:chgData name="McKinney, David" userId="8b945cb3-78ce-42d7-adc5-b07bab32cd5b" providerId="ADAL" clId="{A9E943F6-9C49-4DB1-9D60-3209231B7510}" dt="2020-01-30T10:02:58.290" v="2" actId="20577"/>
-        <pc:sldMkLst>
-          <pc:docMk/>
-          <pc:sldMk cId="4279036063" sldId="366"/>
-        </pc:sldMkLst>
-        <pc:spChg chg="mod">
-          <ac:chgData name="McKinney, David" userId="8b945cb3-78ce-42d7-adc5-b07bab32cd5b" providerId="ADAL" clId="{A9E943F6-9C49-4DB1-9D60-3209231B7510}" dt="2020-01-30T10:02:58.290" v="2" actId="20577"/>
-          <ac:spMkLst>
-            <pc:docMk/>
-            <pc:sldMk cId="4279036063" sldId="366"/>
-            <ac:spMk id="7" creationId="{1215359A-807A-421F-9F5A-319F6C766E42}"/>
-          </ac:spMkLst>
-        </pc:spChg>
-        <pc:picChg chg="mod">
-          <ac:chgData name="McKinney, David" userId="8b945cb3-78ce-42d7-adc5-b07bab32cd5b" providerId="ADAL" clId="{A9E943F6-9C49-4DB1-9D60-3209231B7510}" dt="2020-01-30T10:02:55.949" v="0" actId="1076"/>
-          <ac:picMkLst>
-            <pc:docMk/>
-            <pc:sldMk cId="4279036063" sldId="366"/>
-            <ac:picMk id="3" creationId="{6A0FEC86-7B51-4A84-B8ED-69CCFE9559D2}"/>
-          </ac:picMkLst>
-        </pc:picChg>
-      </pc:sldChg>
-      <pc:sldChg chg="modSp">
-        <pc:chgData name="McKinney, David" userId="8b945cb3-78ce-42d7-adc5-b07bab32cd5b" providerId="ADAL" clId="{A9E943F6-9C49-4DB1-9D60-3209231B7510}" dt="2020-01-30T10:16:01.109" v="665" actId="1076"/>
-        <pc:sldMkLst>
-          <pc:docMk/>
-          <pc:sldMk cId="3192635506" sldId="384"/>
-        </pc:sldMkLst>
-        <pc:spChg chg="mod">
-          <ac:chgData name="McKinney, David" userId="8b945cb3-78ce-42d7-adc5-b07bab32cd5b" providerId="ADAL" clId="{A9E943F6-9C49-4DB1-9D60-3209231B7510}" dt="2020-01-30T10:15:55.703" v="663" actId="207"/>
-          <ac:spMkLst>
-            <pc:docMk/>
-            <pc:sldMk cId="3192635506" sldId="384"/>
-            <ac:spMk id="3" creationId="{D9F59F0A-AA59-4F15-95CC-124F6F55180D}"/>
-          </ac:spMkLst>
-        </pc:spChg>
-        <pc:picChg chg="mod">
-          <ac:chgData name="McKinney, David" userId="8b945cb3-78ce-42d7-adc5-b07bab32cd5b" providerId="ADAL" clId="{A9E943F6-9C49-4DB1-9D60-3209231B7510}" dt="2020-01-30T10:15:59.558" v="664" actId="1076"/>
-          <ac:picMkLst>
-            <pc:docMk/>
-            <pc:sldMk cId="3192635506" sldId="384"/>
-            <ac:picMk id="5" creationId="{AED6B5F6-427E-4AD9-BA2B-A727F3AE6C46}"/>
-          </ac:picMkLst>
-        </pc:picChg>
-        <pc:picChg chg="mod">
-          <ac:chgData name="McKinney, David" userId="8b945cb3-78ce-42d7-adc5-b07bab32cd5b" providerId="ADAL" clId="{A9E943F6-9C49-4DB1-9D60-3209231B7510}" dt="2020-01-30T10:16:01.109" v="665" actId="1076"/>
-          <ac:picMkLst>
-            <pc:docMk/>
-            <pc:sldMk cId="3192635506" sldId="384"/>
-            <ac:picMk id="6" creationId="{DA024783-9D2C-4293-8FD7-E0315D2D5490}"/>
-          </ac:picMkLst>
-        </pc:picChg>
-      </pc:sldChg>
-      <pc:sldChg chg="addSp delSp modSp">
-        <pc:chgData name="McKinney, David" userId="8b945cb3-78ce-42d7-adc5-b07bab32cd5b" providerId="ADAL" clId="{A9E943F6-9C49-4DB1-9D60-3209231B7510}" dt="2020-01-30T10:17:13.284" v="670" actId="1076"/>
-        <pc:sldMkLst>
-          <pc:docMk/>
-          <pc:sldMk cId="867607216" sldId="386"/>
-        </pc:sldMkLst>
-        <pc:picChg chg="add mod">
-          <ac:chgData name="McKinney, David" userId="8b945cb3-78ce-42d7-adc5-b07bab32cd5b" providerId="ADAL" clId="{A9E943F6-9C49-4DB1-9D60-3209231B7510}" dt="2020-01-30T10:17:13.284" v="670" actId="1076"/>
-          <ac:picMkLst>
-            <pc:docMk/>
-            <pc:sldMk cId="867607216" sldId="386"/>
-            <ac:picMk id="5" creationId="{2D5D44BC-CFF5-4D8B-A935-F5AEAD63B25F}"/>
-          </ac:picMkLst>
-        </pc:picChg>
-        <pc:picChg chg="del">
-          <ac:chgData name="McKinney, David" userId="8b945cb3-78ce-42d7-adc5-b07bab32cd5b" providerId="ADAL" clId="{A9E943F6-9C49-4DB1-9D60-3209231B7510}" dt="2020-01-30T10:17:06.393" v="666" actId="478"/>
-          <ac:picMkLst>
-            <pc:docMk/>
-            <pc:sldMk cId="867607216" sldId="386"/>
-            <ac:picMk id="6" creationId="{0756FF8B-D630-4390-B7F3-9058291A7C4B}"/>
-          </ac:picMkLst>
-        </pc:picChg>
-      </pc:sldChg>
-      <pc:sldChg chg="addSp delSp modSp add delAnim modAnim">
-        <pc:chgData name="McKinney, David" userId="8b945cb3-78ce-42d7-adc5-b07bab32cd5b" providerId="ADAL" clId="{A9E943F6-9C49-4DB1-9D60-3209231B7510}" dt="2020-01-30T10:15:17.271" v="596"/>
-        <pc:sldMkLst>
-          <pc:docMk/>
-          <pc:sldMk cId="4059636761" sldId="394"/>
-        </pc:sldMkLst>
-        <pc:spChg chg="add del mod">
-          <ac:chgData name="McKinney, David" userId="8b945cb3-78ce-42d7-adc5-b07bab32cd5b" providerId="ADAL" clId="{A9E943F6-9C49-4DB1-9D60-3209231B7510}" dt="2020-01-30T10:13:12.311" v="503"/>
-          <ac:spMkLst>
-            <pc:docMk/>
-            <pc:sldMk cId="4059636761" sldId="394"/>
-            <ac:spMk id="5" creationId="{0639724C-99A9-4C50-A48F-315FEA10C09F}"/>
-          </ac:spMkLst>
-        </pc:spChg>
-        <pc:spChg chg="del">
-          <ac:chgData name="McKinney, David" userId="8b945cb3-78ce-42d7-adc5-b07bab32cd5b" providerId="ADAL" clId="{A9E943F6-9C49-4DB1-9D60-3209231B7510}" dt="2020-01-30T10:04:00.308" v="5" actId="478"/>
-          <ac:spMkLst>
-            <pc:docMk/>
-            <pc:sldMk cId="4059636761" sldId="394"/>
-            <ac:spMk id="7" creationId="{A0DD4D7C-B298-485F-895D-79DDF003F454}"/>
-          </ac:spMkLst>
-        </pc:spChg>
-        <pc:spChg chg="mod">
-          <ac:chgData name="McKinney, David" userId="8b945cb3-78ce-42d7-adc5-b07bab32cd5b" providerId="ADAL" clId="{A9E943F6-9C49-4DB1-9D60-3209231B7510}" dt="2020-01-30T10:12:47.150" v="439" actId="20577"/>
-          <ac:spMkLst>
-            <pc:docMk/>
-            <pc:sldMk cId="4059636761" sldId="394"/>
-            <ac:spMk id="8" creationId="{12389740-B560-4098-868F-FB67A9948604}"/>
-          </ac:spMkLst>
-        </pc:spChg>
-        <pc:spChg chg="add mod">
-          <ac:chgData name="McKinney, David" userId="8b945cb3-78ce-42d7-adc5-b07bab32cd5b" providerId="ADAL" clId="{A9E943F6-9C49-4DB1-9D60-3209231B7510}" dt="2020-01-30T10:14:06.829" v="586" actId="1076"/>
-          <ac:spMkLst>
-            <pc:docMk/>
-            <pc:sldMk cId="4059636761" sldId="394"/>
-            <ac:spMk id="9" creationId="{875A83D5-8416-42EA-AB63-B0B680649AF0}"/>
-          </ac:spMkLst>
-        </pc:spChg>
-        <pc:picChg chg="del">
-          <ac:chgData name="McKinney, David" userId="8b945cb3-78ce-42d7-adc5-b07bab32cd5b" providerId="ADAL" clId="{A9E943F6-9C49-4DB1-9D60-3209231B7510}" dt="2020-01-30T10:03:56.674" v="4" actId="478"/>
-          <ac:picMkLst>
-            <pc:docMk/>
-            <pc:sldMk cId="4059636761" sldId="394"/>
-            <ac:picMk id="3" creationId="{3E93A73D-CC94-44B2-A316-5F2989DFE976}"/>
-          </ac:picMkLst>
-        </pc:picChg>
-        <pc:picChg chg="add mod modCrop">
-          <ac:chgData name="McKinney, David" userId="8b945cb3-78ce-42d7-adc5-b07bab32cd5b" providerId="ADAL" clId="{A9E943F6-9C49-4DB1-9D60-3209231B7510}" dt="2020-01-30T10:14:34.600" v="589" actId="732"/>
-          <ac:picMkLst>
-            <pc:docMk/>
-            <pc:sldMk cId="4059636761" sldId="394"/>
-            <ac:picMk id="10" creationId="{BFB9B374-1569-4AE8-A6D0-DA3B89939EEA}"/>
-          </ac:picMkLst>
-        </pc:picChg>
-        <pc:picChg chg="add mod">
-          <ac:chgData name="McKinney, David" userId="8b945cb3-78ce-42d7-adc5-b07bab32cd5b" providerId="ADAL" clId="{A9E943F6-9C49-4DB1-9D60-3209231B7510}" dt="2020-01-30T10:15:15.045" v="595" actId="1076"/>
-          <ac:picMkLst>
-            <pc:docMk/>
-            <pc:sldMk cId="4059636761" sldId="394"/>
-            <ac:picMk id="11" creationId="{67BE8B8C-B8F0-4165-A68B-C39BFCA8EAC3}"/>
-          </ac:picMkLst>
-        </pc:picChg>
-        <pc:cxnChg chg="del">
-          <ac:chgData name="McKinney, David" userId="8b945cb3-78ce-42d7-adc5-b07bab32cd5b" providerId="ADAL" clId="{A9E943F6-9C49-4DB1-9D60-3209231B7510}" dt="2020-01-30T10:04:00.877" v="6" actId="478"/>
-          <ac:cxnSpMkLst>
-            <pc:docMk/>
-            <pc:sldMk cId="4059636761" sldId="394"/>
-            <ac:cxnSpMk id="6" creationId="{4436EAD4-9940-4A8A-9C3A-AF7C0D022641}"/>
-          </ac:cxnSpMkLst>
-        </pc:cxnChg>
-      </pc:sldChg>
-    </pc:docChg>
-  </pc:docChgLst>
   <pc:docChgLst>
     <pc:chgData name="Boyle, Jamie" userId="1d18d3d4-7655-4f40-9060-98160e17b2e3" providerId="ADAL" clId="{AC9B9867-8498-4E54-B647-077AC26C07DA}"/>
     <pc:docChg chg="undo custSel addSld modSld sldOrd">
@@ -1228,6 +1008,250 @@
     </pc:docChg>
   </pc:docChgLst>
   <pc:docChgLst>
+    <pc:chgData name="McKinney, David" userId="S::kqkh779@astrazeneca.net::8b945cb3-78ce-42d7-adc5-b07bab32cd5b" providerId="AD" clId="Web-{3B4E5BFF-73BD-4AFB-A9EA-2B6DBA5B815E}"/>
+    <pc:docChg chg="modSld">
+      <pc:chgData name="McKinney, David" userId="S::kqkh779@astrazeneca.net::8b945cb3-78ce-42d7-adc5-b07bab32cd5b" providerId="AD" clId="Web-{3B4E5BFF-73BD-4AFB-A9EA-2B6DBA5B815E}" dt="2020-01-20T18:02:31.722" v="25" actId="20577"/>
+      <pc:docMkLst>
+        <pc:docMk/>
+      </pc:docMkLst>
+      <pc:sldChg chg="modSp">
+        <pc:chgData name="McKinney, David" userId="S::kqkh779@astrazeneca.net::8b945cb3-78ce-42d7-adc5-b07bab32cd5b" providerId="AD" clId="Web-{3B4E5BFF-73BD-4AFB-A9EA-2B6DBA5B815E}" dt="2020-01-20T18:02:31.722" v="25" actId="20577"/>
+        <pc:sldMkLst>
+          <pc:docMk/>
+          <pc:sldMk cId="1234280474" sldId="367"/>
+        </pc:sldMkLst>
+        <pc:spChg chg="mod">
+          <ac:chgData name="McKinney, David" userId="S::kqkh779@astrazeneca.net::8b945cb3-78ce-42d7-adc5-b07bab32cd5b" providerId="AD" clId="Web-{3B4E5BFF-73BD-4AFB-A9EA-2B6DBA5B815E}" dt="2020-01-20T18:02:31.722" v="25" actId="20577"/>
+          <ac:spMkLst>
+            <pc:docMk/>
+            <pc:sldMk cId="1234280474" sldId="367"/>
+            <ac:spMk id="3" creationId="{D9F59F0A-AA59-4F15-95CC-124F6F55180D}"/>
+          </ac:spMkLst>
+        </pc:spChg>
+      </pc:sldChg>
+    </pc:docChg>
+  </pc:docChgLst>
+  <pc:docChgLst>
+    <pc:chgData name="McKinney, David" userId="8b945cb3-78ce-42d7-adc5-b07bab32cd5b" providerId="ADAL" clId="{A9E943F6-9C49-4DB1-9D60-3209231B7510}"/>
+    <pc:docChg chg="undo custSel addSld modSld">
+      <pc:chgData name="McKinney, David" userId="8b945cb3-78ce-42d7-adc5-b07bab32cd5b" providerId="ADAL" clId="{A9E943F6-9C49-4DB1-9D60-3209231B7510}" dt="2020-01-30T10:18:30.158" v="715" actId="20577"/>
+      <pc:docMkLst>
+        <pc:docMk/>
+      </pc:docMkLst>
+      <pc:sldChg chg="modSp">
+        <pc:chgData name="McKinney, David" userId="8b945cb3-78ce-42d7-adc5-b07bab32cd5b" providerId="ADAL" clId="{A9E943F6-9C49-4DB1-9D60-3209231B7510}" dt="2020-01-30T10:18:30.158" v="715" actId="20577"/>
+        <pc:sldMkLst>
+          <pc:docMk/>
+          <pc:sldMk cId="211931337" sldId="359"/>
+        </pc:sldMkLst>
+        <pc:spChg chg="mod">
+          <ac:chgData name="McKinney, David" userId="8b945cb3-78ce-42d7-adc5-b07bab32cd5b" providerId="ADAL" clId="{A9E943F6-9C49-4DB1-9D60-3209231B7510}" dt="2020-01-30T10:18:27.126" v="704" actId="1076"/>
+          <ac:spMkLst>
+            <pc:docMk/>
+            <pc:sldMk cId="211931337" sldId="359"/>
+            <ac:spMk id="3" creationId="{2B59B3AC-2B48-401E-B04D-99DE82F71E23}"/>
+          </ac:spMkLst>
+        </pc:spChg>
+        <pc:spChg chg="mod">
+          <ac:chgData name="McKinney, David" userId="8b945cb3-78ce-42d7-adc5-b07bab32cd5b" providerId="ADAL" clId="{A9E943F6-9C49-4DB1-9D60-3209231B7510}" dt="2020-01-30T10:18:30.158" v="715" actId="20577"/>
+          <ac:spMkLst>
+            <pc:docMk/>
+            <pc:sldMk cId="211931337" sldId="359"/>
+            <ac:spMk id="4" creationId="{689430A7-8B35-43BC-A842-A37497B72B57}"/>
+          </ac:spMkLst>
+        </pc:spChg>
+        <pc:spChg chg="mod">
+          <ac:chgData name="McKinney, David" userId="8b945cb3-78ce-42d7-adc5-b07bab32cd5b" providerId="ADAL" clId="{A9E943F6-9C49-4DB1-9D60-3209231B7510}" dt="2020-01-30T10:18:23.494" v="702" actId="20577"/>
+          <ac:spMkLst>
+            <pc:docMk/>
+            <pc:sldMk cId="211931337" sldId="359"/>
+            <ac:spMk id="6" creationId="{5F4BFDAC-2C84-416D-85F7-F05C253C551B}"/>
+          </ac:spMkLst>
+        </pc:spChg>
+      </pc:sldChg>
+      <pc:sldChg chg="modSp">
+        <pc:chgData name="McKinney, David" userId="8b945cb3-78ce-42d7-adc5-b07bab32cd5b" providerId="ADAL" clId="{A9E943F6-9C49-4DB1-9D60-3209231B7510}" dt="2020-01-30T10:02:58.290" v="2" actId="20577"/>
+        <pc:sldMkLst>
+          <pc:docMk/>
+          <pc:sldMk cId="4279036063" sldId="366"/>
+        </pc:sldMkLst>
+        <pc:spChg chg="mod">
+          <ac:chgData name="McKinney, David" userId="8b945cb3-78ce-42d7-adc5-b07bab32cd5b" providerId="ADAL" clId="{A9E943F6-9C49-4DB1-9D60-3209231B7510}" dt="2020-01-30T10:02:58.290" v="2" actId="20577"/>
+          <ac:spMkLst>
+            <pc:docMk/>
+            <pc:sldMk cId="4279036063" sldId="366"/>
+            <ac:spMk id="7" creationId="{1215359A-807A-421F-9F5A-319F6C766E42}"/>
+          </ac:spMkLst>
+        </pc:spChg>
+        <pc:picChg chg="mod">
+          <ac:chgData name="McKinney, David" userId="8b945cb3-78ce-42d7-adc5-b07bab32cd5b" providerId="ADAL" clId="{A9E943F6-9C49-4DB1-9D60-3209231B7510}" dt="2020-01-30T10:02:55.949" v="0" actId="1076"/>
+          <ac:picMkLst>
+            <pc:docMk/>
+            <pc:sldMk cId="4279036063" sldId="366"/>
+            <ac:picMk id="3" creationId="{6A0FEC86-7B51-4A84-B8ED-69CCFE9559D2}"/>
+          </ac:picMkLst>
+        </pc:picChg>
+      </pc:sldChg>
+      <pc:sldChg chg="modSp">
+        <pc:chgData name="McKinney, David" userId="8b945cb3-78ce-42d7-adc5-b07bab32cd5b" providerId="ADAL" clId="{A9E943F6-9C49-4DB1-9D60-3209231B7510}" dt="2020-01-30T10:16:01.109" v="665" actId="1076"/>
+        <pc:sldMkLst>
+          <pc:docMk/>
+          <pc:sldMk cId="3192635506" sldId="384"/>
+        </pc:sldMkLst>
+        <pc:spChg chg="mod">
+          <ac:chgData name="McKinney, David" userId="8b945cb3-78ce-42d7-adc5-b07bab32cd5b" providerId="ADAL" clId="{A9E943F6-9C49-4DB1-9D60-3209231B7510}" dt="2020-01-30T10:15:55.703" v="663" actId="207"/>
+          <ac:spMkLst>
+            <pc:docMk/>
+            <pc:sldMk cId="3192635506" sldId="384"/>
+            <ac:spMk id="3" creationId="{D9F59F0A-AA59-4F15-95CC-124F6F55180D}"/>
+          </ac:spMkLst>
+        </pc:spChg>
+        <pc:picChg chg="mod">
+          <ac:chgData name="McKinney, David" userId="8b945cb3-78ce-42d7-adc5-b07bab32cd5b" providerId="ADAL" clId="{A9E943F6-9C49-4DB1-9D60-3209231B7510}" dt="2020-01-30T10:15:59.558" v="664" actId="1076"/>
+          <ac:picMkLst>
+            <pc:docMk/>
+            <pc:sldMk cId="3192635506" sldId="384"/>
+            <ac:picMk id="5" creationId="{AED6B5F6-427E-4AD9-BA2B-A727F3AE6C46}"/>
+          </ac:picMkLst>
+        </pc:picChg>
+        <pc:picChg chg="mod">
+          <ac:chgData name="McKinney, David" userId="8b945cb3-78ce-42d7-adc5-b07bab32cd5b" providerId="ADAL" clId="{A9E943F6-9C49-4DB1-9D60-3209231B7510}" dt="2020-01-30T10:16:01.109" v="665" actId="1076"/>
+          <ac:picMkLst>
+            <pc:docMk/>
+            <pc:sldMk cId="3192635506" sldId="384"/>
+            <ac:picMk id="6" creationId="{DA024783-9D2C-4293-8FD7-E0315D2D5490}"/>
+          </ac:picMkLst>
+        </pc:picChg>
+      </pc:sldChg>
+      <pc:sldChg chg="addSp delSp modSp">
+        <pc:chgData name="McKinney, David" userId="8b945cb3-78ce-42d7-adc5-b07bab32cd5b" providerId="ADAL" clId="{A9E943F6-9C49-4DB1-9D60-3209231B7510}" dt="2020-01-30T10:17:13.284" v="670" actId="1076"/>
+        <pc:sldMkLst>
+          <pc:docMk/>
+          <pc:sldMk cId="867607216" sldId="386"/>
+        </pc:sldMkLst>
+        <pc:picChg chg="add mod">
+          <ac:chgData name="McKinney, David" userId="8b945cb3-78ce-42d7-adc5-b07bab32cd5b" providerId="ADAL" clId="{A9E943F6-9C49-4DB1-9D60-3209231B7510}" dt="2020-01-30T10:17:13.284" v="670" actId="1076"/>
+          <ac:picMkLst>
+            <pc:docMk/>
+            <pc:sldMk cId="867607216" sldId="386"/>
+            <ac:picMk id="5" creationId="{2D5D44BC-CFF5-4D8B-A935-F5AEAD63B25F}"/>
+          </ac:picMkLst>
+        </pc:picChg>
+        <pc:picChg chg="del">
+          <ac:chgData name="McKinney, David" userId="8b945cb3-78ce-42d7-adc5-b07bab32cd5b" providerId="ADAL" clId="{A9E943F6-9C49-4DB1-9D60-3209231B7510}" dt="2020-01-30T10:17:06.393" v="666" actId="478"/>
+          <ac:picMkLst>
+            <pc:docMk/>
+            <pc:sldMk cId="867607216" sldId="386"/>
+            <ac:picMk id="6" creationId="{0756FF8B-D630-4390-B7F3-9058291A7C4B}"/>
+          </ac:picMkLst>
+        </pc:picChg>
+      </pc:sldChg>
+      <pc:sldChg chg="addSp delSp modSp add delAnim modAnim">
+        <pc:chgData name="McKinney, David" userId="8b945cb3-78ce-42d7-adc5-b07bab32cd5b" providerId="ADAL" clId="{A9E943F6-9C49-4DB1-9D60-3209231B7510}" dt="2020-01-30T10:15:17.271" v="596"/>
+        <pc:sldMkLst>
+          <pc:docMk/>
+          <pc:sldMk cId="4059636761" sldId="394"/>
+        </pc:sldMkLst>
+        <pc:spChg chg="add del mod">
+          <ac:chgData name="McKinney, David" userId="8b945cb3-78ce-42d7-adc5-b07bab32cd5b" providerId="ADAL" clId="{A9E943F6-9C49-4DB1-9D60-3209231B7510}" dt="2020-01-30T10:13:12.311" v="503"/>
+          <ac:spMkLst>
+            <pc:docMk/>
+            <pc:sldMk cId="4059636761" sldId="394"/>
+            <ac:spMk id="5" creationId="{0639724C-99A9-4C50-A48F-315FEA10C09F}"/>
+          </ac:spMkLst>
+        </pc:spChg>
+        <pc:spChg chg="del">
+          <ac:chgData name="McKinney, David" userId="8b945cb3-78ce-42d7-adc5-b07bab32cd5b" providerId="ADAL" clId="{A9E943F6-9C49-4DB1-9D60-3209231B7510}" dt="2020-01-30T10:04:00.308" v="5" actId="478"/>
+          <ac:spMkLst>
+            <pc:docMk/>
+            <pc:sldMk cId="4059636761" sldId="394"/>
+            <ac:spMk id="7" creationId="{A0DD4D7C-B298-485F-895D-79DDF003F454}"/>
+          </ac:spMkLst>
+        </pc:spChg>
+        <pc:spChg chg="mod">
+          <ac:chgData name="McKinney, David" userId="8b945cb3-78ce-42d7-adc5-b07bab32cd5b" providerId="ADAL" clId="{A9E943F6-9C49-4DB1-9D60-3209231B7510}" dt="2020-01-30T10:12:47.150" v="439" actId="20577"/>
+          <ac:spMkLst>
+            <pc:docMk/>
+            <pc:sldMk cId="4059636761" sldId="394"/>
+            <ac:spMk id="8" creationId="{12389740-B560-4098-868F-FB67A9948604}"/>
+          </ac:spMkLst>
+        </pc:spChg>
+        <pc:spChg chg="add mod">
+          <ac:chgData name="McKinney, David" userId="8b945cb3-78ce-42d7-adc5-b07bab32cd5b" providerId="ADAL" clId="{A9E943F6-9C49-4DB1-9D60-3209231B7510}" dt="2020-01-30T10:14:06.829" v="586" actId="1076"/>
+          <ac:spMkLst>
+            <pc:docMk/>
+            <pc:sldMk cId="4059636761" sldId="394"/>
+            <ac:spMk id="9" creationId="{875A83D5-8416-42EA-AB63-B0B680649AF0}"/>
+          </ac:spMkLst>
+        </pc:spChg>
+        <pc:picChg chg="del">
+          <ac:chgData name="McKinney, David" userId="8b945cb3-78ce-42d7-adc5-b07bab32cd5b" providerId="ADAL" clId="{A9E943F6-9C49-4DB1-9D60-3209231B7510}" dt="2020-01-30T10:03:56.674" v="4" actId="478"/>
+          <ac:picMkLst>
+            <pc:docMk/>
+            <pc:sldMk cId="4059636761" sldId="394"/>
+            <ac:picMk id="3" creationId="{3E93A73D-CC94-44B2-A316-5F2989DFE976}"/>
+          </ac:picMkLst>
+        </pc:picChg>
+        <pc:picChg chg="add mod modCrop">
+          <ac:chgData name="McKinney, David" userId="8b945cb3-78ce-42d7-adc5-b07bab32cd5b" providerId="ADAL" clId="{A9E943F6-9C49-4DB1-9D60-3209231B7510}" dt="2020-01-30T10:14:34.600" v="589" actId="732"/>
+          <ac:picMkLst>
+            <pc:docMk/>
+            <pc:sldMk cId="4059636761" sldId="394"/>
+            <ac:picMk id="10" creationId="{BFB9B374-1569-4AE8-A6D0-DA3B89939EEA}"/>
+          </ac:picMkLst>
+        </pc:picChg>
+        <pc:picChg chg="add mod">
+          <ac:chgData name="McKinney, David" userId="8b945cb3-78ce-42d7-adc5-b07bab32cd5b" providerId="ADAL" clId="{A9E943F6-9C49-4DB1-9D60-3209231B7510}" dt="2020-01-30T10:15:15.045" v="595" actId="1076"/>
+          <ac:picMkLst>
+            <pc:docMk/>
+            <pc:sldMk cId="4059636761" sldId="394"/>
+            <ac:picMk id="11" creationId="{67BE8B8C-B8F0-4165-A68B-C39BFCA8EAC3}"/>
+          </ac:picMkLst>
+        </pc:picChg>
+        <pc:cxnChg chg="del">
+          <ac:chgData name="McKinney, David" userId="8b945cb3-78ce-42d7-adc5-b07bab32cd5b" providerId="ADAL" clId="{A9E943F6-9C49-4DB1-9D60-3209231B7510}" dt="2020-01-30T10:04:00.877" v="6" actId="478"/>
+          <ac:cxnSpMkLst>
+            <pc:docMk/>
+            <pc:sldMk cId="4059636761" sldId="394"/>
+            <ac:cxnSpMk id="6" creationId="{4436EAD4-9940-4A8A-9C3A-AF7C0D022641}"/>
+          </ac:cxnSpMkLst>
+        </pc:cxnChg>
+      </pc:sldChg>
+    </pc:docChg>
+  </pc:docChgLst>
+  <pc:docChgLst>
+    <pc:chgData name="Boyle, Jamie" userId="1d18d3d4-7655-4f40-9060-98160e17b2e3" providerId="ADAL" clId="{35B33F35-B6E1-41DB-BE2D-BF30EBBA0AD2}"/>
+    <pc:docChg chg="modSld">
+      <pc:chgData name="Boyle, Jamie" userId="1d18d3d4-7655-4f40-9060-98160e17b2e3" providerId="ADAL" clId="{35B33F35-B6E1-41DB-BE2D-BF30EBBA0AD2}" dt="2024-03-05T11:24:12.991" v="25" actId="20577"/>
+      <pc:docMkLst>
+        <pc:docMk/>
+      </pc:docMkLst>
+      <pc:sldChg chg="modSp mod">
+        <pc:chgData name="Boyle, Jamie" userId="1d18d3d4-7655-4f40-9060-98160e17b2e3" providerId="ADAL" clId="{35B33F35-B6E1-41DB-BE2D-BF30EBBA0AD2}" dt="2024-03-05T11:24:12.991" v="25" actId="20577"/>
+        <pc:sldMkLst>
+          <pc:docMk/>
+          <pc:sldMk cId="372518070" sldId="398"/>
+        </pc:sldMkLst>
+        <pc:spChg chg="mod">
+          <ac:chgData name="Boyle, Jamie" userId="1d18d3d4-7655-4f40-9060-98160e17b2e3" providerId="ADAL" clId="{35B33F35-B6E1-41DB-BE2D-BF30EBBA0AD2}" dt="2024-03-05T11:23:54.454" v="18" actId="20577"/>
+          <ac:spMkLst>
+            <pc:docMk/>
+            <pc:sldMk cId="372518070" sldId="398"/>
+            <ac:spMk id="2" creationId="{6FF1181F-0C76-47D0-83D2-2133FE38FB6F}"/>
+          </ac:spMkLst>
+        </pc:spChg>
+        <pc:spChg chg="mod">
+          <ac:chgData name="Boyle, Jamie" userId="1d18d3d4-7655-4f40-9060-98160e17b2e3" providerId="ADAL" clId="{35B33F35-B6E1-41DB-BE2D-BF30EBBA0AD2}" dt="2024-03-05T11:24:12.991" v="25" actId="20577"/>
+          <ac:spMkLst>
+            <pc:docMk/>
+            <pc:sldMk cId="372518070" sldId="398"/>
+            <ac:spMk id="11" creationId="{825EE2FD-D59C-4D6F-93E9-415E324D68C1}"/>
+          </ac:spMkLst>
+        </pc:spChg>
+      </pc:sldChg>
+    </pc:docChg>
+  </pc:docChgLst>
+  <pc:docChgLst>
     <pc:chgData name="McKinney, David" userId="S::kqkh779@astrazeneca.net::8b945cb3-78ce-42d7-adc5-b07bab32cd5b" providerId="AD" clId="Web-{A7CA89A2-908C-4C0D-8314-BFFB27AA2AFD}"/>
     <pc:docChg chg="modSld">
       <pc:chgData name="McKinney, David" userId="S::kqkh779@astrazeneca.net::8b945cb3-78ce-42d7-adc5-b07bab32cd5b" providerId="AD" clId="Web-{A7CA89A2-908C-4C0D-8314-BFFB27AA2AFD}" dt="2020-02-21T17:34:21.703" v="7" actId="20577"/>
@@ -1337,7 +1361,7 @@
             <a:fld id="{3BBED7E8-0829-F34C-B479-A757805E6C1B}" type="datetimeFigureOut">
               <a:rPr lang="en-US" smtClean="0"/>
               <a:pPr/>
-              <a:t>2/27/2024</a:t>
+              <a:t>3/5/2024</a:t>
             </a:fld>
             <a:endParaRPr lang="en-US"/>
           </a:p>
@@ -1505,7 +1529,7 @@
             <a:fld id="{6C7E4F11-7667-5045-A00B-01970EA44BB5}" type="datetimeFigureOut">
               <a:rPr lang="en-US" smtClean="0"/>
               <a:pPr/>
-              <a:t>2/27/2024</a:t>
+              <a:t>3/5/2024</a:t>
             </a:fld>
             <a:endParaRPr lang="en-US"/>
           </a:p>
@@ -35414,7 +35438,7 @@
                 <a:latin typeface="Arial"/>
                 <a:cs typeface="Arial"/>
               </a:rPr>
-              <a:t>Printing Puzzles</a:t>
+              <a:t>Printing and Arithmetic Puzzles</a:t>
             </a:r>
             <a:endParaRPr lang="en-GB" dirty="0"/>
           </a:p>
@@ -35651,7 +35675,14 @@
                 <a:latin typeface="Arial"/>
                 <a:cs typeface="Arial"/>
               </a:rPr>
-              <a:t>Print your three favourite colours by passing them as three separate inputs to print()</a:t>
+              <a:t>Print your three favourite colours by passing them as three separate inputs to </a:t>
+            </a:r>
+            <a:r>
+              <a:rPr lang="en-GB" sz="2000" dirty="0">
+                <a:latin typeface="Consolas" panose="020B0609020204030204" pitchFamily="49" charset="0"/>
+                <a:cs typeface="Arial"/>
+              </a:rPr>
+              <a:t>print()</a:t>
             </a:r>
           </a:p>
           <a:p>
@@ -35670,7 +35701,7 @@
                 <a:latin typeface="Arial"/>
                 <a:cs typeface="Arial"/>
               </a:rPr>
-              <a:t>Calculate 26, multiplied by 66, add 13</a:t>
+              <a:t>Calculate 26, multiplied by 66, plus 13</a:t>
             </a:r>
           </a:p>
           <a:p>
@@ -38104,6 +38135,15 @@
 </file>
 
 <file path=customXml/item1.xml><?xml version="1.0" encoding="utf-8"?>
+<p:properties xmlns:p="http://schemas.microsoft.com/office/2006/metadata/properties" xmlns:xsi="http://www.w3.org/2001/XMLSchema-instance" xmlns:pc="http://schemas.microsoft.com/office/infopath/2007/PartnerControls">
+  <documentManagement>
+    <Keyword xmlns="44a56295-c29e-4898-8136-a54736c65b82" xsi:nil="true"/>
+    <Descriptions xmlns="44a56295-c29e-4898-8136-a54736c65b82" xsi:nil="true"/>
+  </documentManagement>
+</p:properties>
+</file>
+
+<file path=customXml/item2.xml><?xml version="1.0" encoding="utf-8"?>
 <?mso-contentType ?>
 <FormTemplates xmlns="http://schemas.microsoft.com/sharepoint/v3/contenttype/forms">
   <Display>DocumentLibraryForm</Display>
@@ -38112,21 +38152,7 @@
 </FormTemplates>
 </file>
 
-<file path=customXml/item2.xml><?xml version="1.0" encoding="utf-8"?>
-<p:properties xmlns:p="http://schemas.microsoft.com/office/2006/metadata/properties" xmlns:xsi="http://www.w3.org/2001/XMLSchema-instance" xmlns:pc="http://schemas.microsoft.com/office/infopath/2007/PartnerControls">
-  <documentManagement>
-    <Keyword xmlns="44a56295-c29e-4898-8136-a54736c65b82" xsi:nil="true"/>
-    <Descriptions xmlns="44a56295-c29e-4898-8136-a54736c65b82" xsi:nil="true"/>
-  </documentManagement>
-</p:properties>
-</file>
-
 <file path=customXml/item3.xml><?xml version="1.0" encoding="utf-8"?>
-<?mso-contentType ?>
-<SharedContentType xmlns="Microsoft.SharePoint.Taxonomy.ContentTypeSync" SourceId="1ee89e71-04cd-405e-9ca3-99e020c1694d" ContentTypeId="0x0101" PreviousValue="false"/>
-</file>
-
-<file path=customXml/item4.xml><?xml version="1.0" encoding="utf-8"?>
 <ct:contentTypeSchema xmlns:ct="http://schemas.microsoft.com/office/2006/metadata/contentType" xmlns:ma="http://schemas.microsoft.com/office/2006/metadata/properties/metaAttributes" ct:_="" ma:_="" ma:contentTypeName="Document" ma:contentTypeID="0x010100C9F3DD611966374C9EAA8DC5A2F94CD8" ma:contentTypeVersion="8" ma:contentTypeDescription="Create a new document." ma:contentTypeScope="" ma:versionID="18a8759320524e51783f13c6663a10d1">
   <xsd:schema xmlns:xsd="http://www.w3.org/2001/XMLSchema" xmlns:xs="http://www.w3.org/2001/XMLSchema" xmlns:p="http://schemas.microsoft.com/office/2006/metadata/properties" xmlns:ns2="44a56295-c29e-4898-8136-a54736c65b82" xmlns:ns3="9675ef8f-b755-4cd6-a742-8cae3d86c4fe" targetNamespace="http://schemas.microsoft.com/office/2006/metadata/properties" ma:root="true" ma:fieldsID="1b693415669a5bc10d56a9234ce5202b" ns2:_="" ns3:_="">
     <xsd:import namespace="44a56295-c29e-4898-8136-a54736c65b82"/>
@@ -38305,15 +38331,12 @@
 </ct:contentTypeSchema>
 </file>
 
-<file path=customXml/itemProps1.xml><?xml version="1.0" encoding="utf-8"?>
-<ds:datastoreItem xmlns:ds="http://schemas.openxmlformats.org/officeDocument/2006/customXml" ds:itemID="{CCB085B9-8EF5-4B2C-B089-029492EC23AC}">
-  <ds:schemaRefs>
-    <ds:schemaRef ds:uri="http://schemas.microsoft.com/sharepoint/v3/contenttype/forms"/>
-  </ds:schemaRefs>
-</ds:datastoreItem>
+<file path=customXml/item4.xml><?xml version="1.0" encoding="utf-8"?>
+<?mso-contentType ?>
+<SharedContentType xmlns="Microsoft.SharePoint.Taxonomy.ContentTypeSync" SourceId="1ee89e71-04cd-405e-9ca3-99e020c1694d" ContentTypeId="0x0101" PreviousValue="false"/>
 </file>
 
-<file path=customXml/itemProps2.xml><?xml version="1.0" encoding="utf-8"?>
+<file path=customXml/itemProps1.xml><?xml version="1.0" encoding="utf-8"?>
 <ds:datastoreItem xmlns:ds="http://schemas.openxmlformats.org/officeDocument/2006/customXml" ds:itemID="{8E7055A9-979E-42E4-8AE4-11D4A57371C1}">
   <ds:schemaRefs>
     <ds:schemaRef ds:uri="9675ef8f-b755-4cd6-a742-8cae3d86c4fe"/>
@@ -38330,15 +38353,15 @@
 </ds:datastoreItem>
 </file>
 
-<file path=customXml/itemProps3.xml><?xml version="1.0" encoding="utf-8"?>
-<ds:datastoreItem xmlns:ds="http://schemas.openxmlformats.org/officeDocument/2006/customXml" ds:itemID="{3D9D9437-4660-4E6E-9349-9C8386915BD1}">
+<file path=customXml/itemProps2.xml><?xml version="1.0" encoding="utf-8"?>
+<ds:datastoreItem xmlns:ds="http://schemas.openxmlformats.org/officeDocument/2006/customXml" ds:itemID="{CCB085B9-8EF5-4B2C-B089-029492EC23AC}">
   <ds:schemaRefs>
-    <ds:schemaRef ds:uri="Microsoft.SharePoint.Taxonomy.ContentTypeSync"/>
+    <ds:schemaRef ds:uri="http://schemas.microsoft.com/sharepoint/v3/contenttype/forms"/>
   </ds:schemaRefs>
 </ds:datastoreItem>
 </file>
 
-<file path=customXml/itemProps4.xml><?xml version="1.0" encoding="utf-8"?>
+<file path=customXml/itemProps3.xml><?xml version="1.0" encoding="utf-8"?>
 <ds:datastoreItem xmlns:ds="http://schemas.openxmlformats.org/officeDocument/2006/customXml" ds:itemID="{24E5F6C7-5787-4F29-BDCC-CDAE99EBBCCB}">
   <ds:schemaRefs>
     <ds:schemaRef ds:uri="http://schemas.microsoft.com/office/2006/metadata/contentType"/>
@@ -38355,4 +38378,12 @@
     <ds:schemaRef ds:uri="http://schemas.microsoft.com/internal/obd"/>
   </ds:schemaRefs>
 </ds:datastoreItem>
+</file>
+
+<file path=customXml/itemProps4.xml><?xml version="1.0" encoding="utf-8"?>
+<ds:datastoreItem xmlns:ds="http://schemas.openxmlformats.org/officeDocument/2006/customXml" ds:itemID="{3D9D9437-4660-4E6E-9349-9C8386915BD1}">
+  <ds:schemaRefs>
+    <ds:schemaRef ds:uri="Microsoft.SharePoint.Taxonomy.ContentTypeSync"/>
+  </ds:schemaRefs>
+</ds:datastoreItem>
 </file>